--- a/mysite 그림.pptx
+++ b/mysite 그림.pptx
@@ -7584,62 +7584,6 @@
               </a:solidFill>
             </a:endParaRPr>
           </a:p>
-          <a:p>
-            <a:pPr algn="ctr"/>
-            <a:r>
-              <a:rPr lang="en-US" altLang="ko-KR" sz="1100" dirty="0">
-                <a:solidFill>
-                  <a:schemeClr val="tx1"/>
-                </a:solidFill>
-              </a:rPr>
-              <a:t>(</a:t>
-            </a:r>
-            <a:r>
-              <a:rPr lang="ko-KR" altLang="en-US" sz="1100" dirty="0">
-                <a:solidFill>
-                  <a:schemeClr val="tx1"/>
-                </a:solidFill>
-              </a:rPr>
-              <a:t>이름 </a:t>
-            </a:r>
-            <a:r>
-              <a:rPr lang="ko-KR" altLang="en-US" sz="1100" dirty="0" err="1" smtClean="0">
-                <a:solidFill>
-                  <a:schemeClr val="tx1"/>
-                </a:solidFill>
-              </a:rPr>
-              <a:t>안</a:t>
-            </a:r>
-            <a:r>
-              <a:rPr lang="ko-KR" altLang="en-US" sz="1100" dirty="0" err="1">
-                <a:solidFill>
-                  <a:schemeClr val="tx1"/>
-                </a:solidFill>
-              </a:rPr>
-              <a:t>헷</a:t>
-            </a:r>
-            <a:r>
-              <a:rPr lang="ko-KR" altLang="en-US" sz="1100" dirty="0" err="1" smtClean="0">
-                <a:solidFill>
-                  <a:schemeClr val="tx1"/>
-                </a:solidFill>
-              </a:rPr>
-              <a:t>갈리게</a:t>
-            </a:r>
-            <a:r>
-              <a:rPr lang="en-US" altLang="ko-KR" sz="1100" dirty="0">
-                <a:solidFill>
-                  <a:schemeClr val="tx1"/>
-                </a:solidFill>
-              </a:rPr>
-              <a:t>)</a:t>
-            </a:r>
-            <a:endParaRPr lang="ko-KR" altLang="en-US" sz="1100" dirty="0">
-              <a:solidFill>
-                <a:schemeClr val="tx1"/>
-              </a:solidFill>
-            </a:endParaRPr>
-          </a:p>
         </p:txBody>
       </p:sp>
       <p:cxnSp>
@@ -8719,13 +8663,7 @@
               <a:rPr lang="en-US" altLang="ko-KR" sz="1000" dirty="0" err="1" smtClean="0">
                 <a:latin typeface="+mn-ea"/>
               </a:rPr>
-              <a:t>j</a:t>
-            </a:r>
-            <a:r>
-              <a:rPr lang="en-US" altLang="ko-KR" sz="1000" dirty="0" err="1" smtClean="0">
-                <a:latin typeface="+mn-ea"/>
-              </a:rPr>
-              <a:t>spcontroller</a:t>
+              <a:t>jspcontroller</a:t>
             </a:r>
             <a:r>
               <a:rPr lang="en-US" altLang="ko-KR" sz="1000" dirty="0" smtClean="0">
@@ -8800,16 +8738,7 @@
                 </a:solidFill>
                 <a:latin typeface="+mn-ea"/>
               </a:rPr>
-              <a:t>list</a:t>
-            </a:r>
-            <a:r>
-              <a:rPr lang="en-US" altLang="ko-KR" sz="1100" b="1" dirty="0" err="1" smtClean="0">
-                <a:solidFill>
-                  <a:schemeClr val="tx1"/>
-                </a:solidFill>
-                <a:latin typeface="+mn-ea"/>
-              </a:rPr>
-              <a:t>.jsp</a:t>
+              <a:t>list.jsp</a:t>
             </a:r>
             <a:endParaRPr lang="en-US" altLang="ko-KR" sz="1100" b="1" dirty="0">
               <a:solidFill>
@@ -9089,12 +9018,8 @@
           <a:lstStyle/>
           <a:p>
             <a:r>
-              <a:rPr lang="ko-KR" altLang="en-US" dirty="0" smtClean="0"/>
-              <a:t>분석</a:t>
-            </a:r>
-            <a:r>
               <a:rPr lang="en-US" altLang="ko-KR" dirty="0" smtClean="0"/>
-              <a:t>-read</a:t>
+              <a:t>read</a:t>
             </a:r>
             <a:endParaRPr lang="ko-KR" altLang="en-US" dirty="0" smtClean="0"/>
           </a:p>
@@ -10178,11 +10103,7 @@
             </a:pPr>
             <a:r>
               <a:rPr lang="en-US" altLang="ko-KR" sz="1100" dirty="0" smtClean="0"/>
-              <a:t>http://</a:t>
-            </a:r>
-            <a:r>
-              <a:rPr lang="en-US" altLang="ko-KR" sz="1100" dirty="0" smtClean="0"/>
-              <a:t>localhost:8088/mysite/board?</a:t>
+              <a:t>http://localhost:8088/mysite/board?</a:t>
             </a:r>
             <a:r>
               <a:rPr lang="en-US" altLang="ko-KR" sz="1100" b="1" dirty="0" smtClean="0">
@@ -10190,29 +10111,16 @@
                   <a:srgbClr val="00B050"/>
                 </a:solidFill>
               </a:rPr>
-              <a:t>action=read&amp;</a:t>
-            </a:r>
-            <a:r>
-              <a:rPr lang="en-US" altLang="ko-KR" sz="1100" b="1" dirty="0" smtClean="0">
+              <a:t>action=read&amp;no=</a:t>
+            </a:r>
+            <a:r>
+              <a:rPr lang="ko-KR" altLang="en-US" sz="1100" b="1" dirty="0" smtClean="0">
                 <a:solidFill>
                   <a:srgbClr val="00B050"/>
                 </a:solidFill>
               </a:rPr>
-              <a:t>no=</a:t>
-            </a:r>
-            <a:r>
-              <a:rPr lang="ko-KR" altLang="en-US" sz="1100" b="1" dirty="0" smtClean="0">
-                <a:solidFill>
-                  <a:srgbClr val="00B050"/>
-                </a:solidFill>
-              </a:rPr>
               <a:t>값</a:t>
             </a:r>
-            <a:endParaRPr lang="ko-KR" altLang="en-US" sz="1100" b="1" dirty="0" smtClean="0">
-              <a:solidFill>
-                <a:srgbClr val="00B050"/>
-              </a:solidFill>
-            </a:endParaRPr>
           </a:p>
         </p:txBody>
       </p:sp>
@@ -11878,14 +11786,6 @@
           </a:bodyPr>
           <a:lstStyle/>
           <a:p>
-            <a:r>
-              <a:rPr lang="ko-KR" altLang="en-US" dirty="0" smtClean="0"/>
-              <a:t>분석</a:t>
-            </a:r>
-            <a:r>
-              <a:rPr lang="en-US" altLang="ko-KR" dirty="0" smtClean="0"/>
-              <a:t>-</a:t>
-            </a:r>
             <a:r>
               <a:rPr lang="en-US" altLang="ko-KR" dirty="0" err="1" smtClean="0"/>
               <a:t>writeForm</a:t>
@@ -14193,12 +14093,8 @@
           <a:lstStyle/>
           <a:p>
             <a:r>
-              <a:rPr lang="ko-KR" altLang="en-US" dirty="0" smtClean="0"/>
-              <a:t>분석</a:t>
-            </a:r>
-            <a:r>
               <a:rPr lang="en-US" altLang="ko-KR" dirty="0" smtClean="0"/>
-              <a:t>-write</a:t>
+              <a:t>write</a:t>
             </a:r>
             <a:endParaRPr lang="ko-KR" altLang="en-US" dirty="0" smtClean="0"/>
           </a:p>
@@ -14387,7 +14283,7 @@
         <p:spPr bwMode="auto">
           <a:xfrm>
             <a:off x="3131840" y="1449917"/>
-            <a:ext cx="2181524" cy="598766"/>
+            <a:ext cx="2181524" cy="864658"/>
           </a:xfrm>
           <a:prstGeom prst="straightConnector1">
             <a:avLst/>
@@ -14599,11 +14495,7 @@
             </a:pPr>
             <a:r>
               <a:rPr lang="en-US" altLang="ko-KR" sz="1100" dirty="0" smtClean="0"/>
-              <a:t>http://</a:t>
-            </a:r>
-            <a:r>
-              <a:rPr lang="en-US" altLang="ko-KR" sz="1100" dirty="0" smtClean="0"/>
-              <a:t>localhost:8088/mysite/board?</a:t>
+              <a:t>http://localhost:8088/mysite/board?</a:t>
             </a:r>
             <a:r>
               <a:rPr lang="en-US" altLang="ko-KR" sz="1100" b="1" dirty="0" smtClean="0">
@@ -14637,11 +14529,6 @@
               </a:rPr>
               <a:t>값</a:t>
             </a:r>
-            <a:endParaRPr lang="ko-KR" altLang="en-US" sz="1100" b="1" dirty="0" smtClean="0">
-              <a:solidFill>
-                <a:srgbClr val="00B050"/>
-              </a:solidFill>
-            </a:endParaRPr>
           </a:p>
         </p:txBody>
       </p:sp>
@@ -14838,7 +14725,7 @@
         <p:spPr>
           <a:xfrm>
             <a:off x="5313364" y="1693334"/>
-            <a:ext cx="1634900" cy="710698"/>
+            <a:ext cx="1634900" cy="1242482"/>
           </a:xfrm>
           <a:prstGeom prst="roundRect">
             <a:avLst>
@@ -14929,53 +14816,66 @@
               <a:defRPr/>
             </a:pPr>
             <a:r>
-              <a:rPr lang="en-US" altLang="ko-KR" sz="1000" b="1" dirty="0">
+              <a:rPr lang="en-US" altLang="ko-KR" sz="1000" b="1" dirty="0" smtClean="0">
                 <a:solidFill>
                   <a:srgbClr val="00B050"/>
                 </a:solidFill>
               </a:rPr>
-              <a:t>action=</a:t>
-            </a:r>
-            <a:r>
-              <a:rPr lang="en-US" altLang="ko-KR" sz="1000" b="1" dirty="0" err="1">
+              <a:t>write</a:t>
+            </a:r>
+          </a:p>
+          <a:p>
+            <a:pPr>
+              <a:lnSpc>
+                <a:spcPct val="120000"/>
+              </a:lnSpc>
+              <a:defRPr/>
+            </a:pPr>
+            <a:r>
+              <a:rPr lang="en-US" altLang="ko-KR" sz="1000" b="1" dirty="0" smtClean="0">
                 <a:solidFill>
                   <a:srgbClr val="00B050"/>
                 </a:solidFill>
               </a:rPr>
-              <a:t>write&amp;title</a:t>
-            </a:r>
-            <a:r>
-              <a:rPr lang="en-US" altLang="ko-KR" sz="1000" b="1" dirty="0">
+              <a:t>title</a:t>
+            </a:r>
+          </a:p>
+          <a:p>
+            <a:pPr>
+              <a:lnSpc>
+                <a:spcPct val="120000"/>
+              </a:lnSpc>
+              <a:defRPr/>
+            </a:pPr>
+            <a:r>
+              <a:rPr lang="en-US" altLang="ko-KR" sz="1000" b="1" dirty="0" smtClean="0">
                 <a:solidFill>
                   <a:srgbClr val="00B050"/>
                 </a:solidFill>
               </a:rPr>
-              <a:t>=</a:t>
-            </a:r>
-            <a:r>
-              <a:rPr lang="ko-KR" altLang="en-US" sz="1000" b="1" dirty="0">
+              <a:t>Content</a:t>
+            </a:r>
+          </a:p>
+          <a:p>
+            <a:pPr>
+              <a:lnSpc>
+                <a:spcPct val="120000"/>
+              </a:lnSpc>
+              <a:defRPr/>
+            </a:pPr>
+            <a:r>
+              <a:rPr lang="en-US" altLang="ko-KR" sz="1000" b="1" dirty="0" err="1" smtClean="0">
                 <a:solidFill>
                   <a:srgbClr val="00B050"/>
                 </a:solidFill>
               </a:rPr>
-              <a:t>값</a:t>
-            </a:r>
-            <a:r>
-              <a:rPr lang="en-US" altLang="ko-KR" sz="1000" b="1" dirty="0">
-                <a:solidFill>
-                  <a:srgbClr val="00B050"/>
-                </a:solidFill>
-              </a:rPr>
-              <a:t>&amp;content=</a:t>
-            </a:r>
-            <a:r>
-              <a:rPr lang="ko-KR" altLang="en-US" sz="1000" b="1" dirty="0">
-                <a:solidFill>
-                  <a:srgbClr val="00B050"/>
-                </a:solidFill>
-              </a:rPr>
-              <a:t>값</a:t>
-            </a:r>
+              <a:t>userNo</a:t>
+            </a:r>
+            <a:endParaRPr lang="ko-KR" altLang="en-US" sz="1000" b="1" dirty="0">
+              <a:solidFill>
+                <a:srgbClr val="00B050"/>
+              </a:solidFill>
+            </a:endParaRPr>
           </a:p>
         </p:txBody>
       </p:sp>
@@ -15918,8 +15818,8 @@
         </p:nvSpPr>
         <p:spPr>
           <a:xfrm>
-            <a:off x="6333108" y="5519042"/>
-            <a:ext cx="1230312" cy="1009651"/>
+            <a:off x="6125186" y="5519042"/>
+            <a:ext cx="1613878" cy="1009651"/>
           </a:xfrm>
           <a:prstGeom prst="roundRect">
             <a:avLst>
@@ -15987,7 +15887,54 @@
                 </a:solidFill>
                 <a:latin typeface="+mn-ea"/>
               </a:rPr>
-              <a:t>로그인한 사용자 정보</a:t>
+              <a:t>로그인한 사용자 </a:t>
+            </a:r>
+            <a:r>
+              <a:rPr lang="ko-KR" altLang="en-US" sz="1000" dirty="0" smtClean="0">
+                <a:solidFill>
+                  <a:schemeClr val="tx1"/>
+                </a:solidFill>
+                <a:latin typeface="+mn-ea"/>
+              </a:rPr>
+              <a:t>정보</a:t>
+            </a:r>
+            <a:endParaRPr lang="en-US" altLang="ko-KR" sz="1000" dirty="0" smtClean="0">
+              <a:solidFill>
+                <a:schemeClr val="tx1"/>
+              </a:solidFill>
+              <a:latin typeface="+mn-ea"/>
+            </a:endParaRPr>
+          </a:p>
+          <a:p>
+            <a:pPr algn="ctr">
+              <a:defRPr/>
+            </a:pPr>
+            <a:r>
+              <a:rPr lang="en-US" altLang="ko-KR" sz="1000" dirty="0" smtClean="0">
+                <a:solidFill>
+                  <a:schemeClr val="tx1"/>
+                </a:solidFill>
+                <a:latin typeface="+mn-ea"/>
+              </a:rPr>
+              <a:t>"</a:t>
+            </a:r>
+            <a:r>
+              <a:rPr lang="en-US" altLang="ko-KR" sz="1000" dirty="0" err="1" smtClean="0">
+                <a:solidFill>
+                  <a:schemeClr val="tx1"/>
+                </a:solidFill>
+                <a:latin typeface="+mn-ea"/>
+              </a:rPr>
+              <a:t>authUser</a:t>
+            </a:r>
+            <a:r>
+              <a:rPr lang="en-US" altLang="ko-KR" sz="1000" dirty="0" smtClean="0">
+                <a:solidFill>
+                  <a:schemeClr val="tx1"/>
+                </a:solidFill>
+                <a:latin typeface="+mn-ea"/>
+              </a:rPr>
+              <a:t>", 0x111</a:t>
             </a:r>
             <a:endParaRPr lang="en-US" altLang="ko-KR" sz="1000" dirty="0">
               <a:solidFill>
@@ -16513,31 +16460,27 @@
                 <a:defRPr/>
               </a:pPr>
               <a:r>
-                <a:rPr lang="en-US" altLang="ko-KR" sz="1100" b="1" dirty="0">
+                <a:rPr lang="en-US" altLang="ko-KR" sz="1100" b="1" dirty="0" smtClean="0">
                   <a:solidFill>
                     <a:srgbClr val="00B050"/>
                   </a:solidFill>
                 </a:rPr>
-                <a:t>action=</a:t>
+                <a:t>action=write</a:t>
               </a:r>
-              <a:r>
-                <a:rPr lang="en-US" altLang="ko-KR" sz="1100" b="1" dirty="0" err="1">
-                  <a:solidFill>
-                    <a:srgbClr val="00B050"/>
-                  </a:solidFill>
-                </a:rPr>
-                <a:t>writeForm</a:t>
-              </a:r>
-              <a:endParaRPr lang="en-US" altLang="ko-KR" sz="1100" b="1" dirty="0">
-                <a:solidFill>
-                  <a:srgbClr val="00B050"/>
-                </a:solidFill>
-              </a:endParaRPr>
             </a:p>
             <a:p>
               <a:pPr>
                 <a:defRPr/>
               </a:pPr>
+              <a:r>
+                <a:rPr lang="en-US" altLang="ko-KR" sz="1100" b="1" dirty="0" smtClean="0">
+                  <a:solidFill>
+                    <a:srgbClr val="00B050"/>
+                  </a:solidFill>
+                  <a:latin typeface="+mn-ea"/>
+                </a:rPr>
+                <a:t>&amp;title</a:t>
+              </a:r>
               <a:r>
                 <a:rPr lang="en-US" altLang="ko-KR" sz="1100" b="1" dirty="0">
                   <a:solidFill>
@@ -16545,7 +16488,7 @@
                   </a:solidFill>
                   <a:latin typeface="+mn-ea"/>
                 </a:rPr>
-                <a:t>&amp;title=</a:t>
+                <a:t>=</a:t>
               </a:r>
               <a:r>
                 <a:rPr lang="ko-KR" altLang="en-US" sz="1100" b="1" dirty="0">
@@ -18020,13 +17963,7 @@
               <a:rPr lang="en-US" altLang="ko-KR" sz="1100" dirty="0" smtClean="0">
                 <a:hlinkClick r:id="rId3"/>
               </a:rPr>
-              <a:t>http://</a:t>
-            </a:r>
-            <a:r>
-              <a:rPr lang="en-US" altLang="ko-KR" sz="1100" dirty="0" smtClean="0">
-                <a:hlinkClick r:id="rId3"/>
-              </a:rPr>
-              <a:t>localhost:8088/mysite/board?</a:t>
+              <a:t>http://localhost:8088/mysite/board?</a:t>
             </a:r>
             <a:r>
               <a:rPr lang="en-US" altLang="ko-KR" sz="1100" b="1" dirty="0" smtClean="0">
@@ -18661,12 +18598,6 @@
               </a:rPr>
               <a:t>]</a:t>
             </a:r>
-            <a:endParaRPr lang="en-US" altLang="ko-KR" sz="1000" dirty="0">
-              <a:solidFill>
-                <a:schemeClr val="tx1"/>
-              </a:solidFill>
-              <a:latin typeface="+mn-ea"/>
-            </a:endParaRPr>
           </a:p>
           <a:p>
             <a:pPr>
@@ -18710,12 +18641,6 @@
               </a:rPr>
               <a:t>No=3</a:t>
             </a:r>
-            <a:endParaRPr lang="en-US" altLang="ko-KR" sz="1000" b="1" dirty="0" smtClean="0">
-              <a:solidFill>
-                <a:srgbClr val="00B050"/>
-              </a:solidFill>
-              <a:latin typeface="+mn-ea"/>
-            </a:endParaRPr>
           </a:p>
           <a:p>
             <a:pPr>
@@ -19658,13 +19583,7 @@
               <a:rPr lang="en-US" altLang="ko-KR" sz="1000" dirty="0" err="1" smtClean="0">
                 <a:latin typeface="+mn-ea"/>
               </a:rPr>
-              <a:t>j</a:t>
-            </a:r>
-            <a:r>
-              <a:rPr lang="en-US" altLang="ko-KR" sz="1000" dirty="0" err="1" smtClean="0">
-                <a:latin typeface="+mn-ea"/>
-              </a:rPr>
-              <a:t>spcontroller</a:t>
+              <a:t>jspcontroller</a:t>
             </a:r>
             <a:r>
               <a:rPr lang="en-US" altLang="ko-KR" sz="1000" dirty="0" smtClean="0">
@@ -20725,11 +20644,7 @@
             </a:pPr>
             <a:r>
               <a:rPr lang="en-US" altLang="ko-KR" sz="1100" dirty="0" smtClean="0"/>
-              <a:t>http://</a:t>
-            </a:r>
-            <a:r>
-              <a:rPr lang="en-US" altLang="ko-KR" sz="1100" dirty="0" smtClean="0"/>
-              <a:t>localhost:8088/mysite/board?</a:t>
+              <a:t>http://localhost:8088/mysite/board?</a:t>
             </a:r>
             <a:r>
               <a:rPr lang="en-US" altLang="ko-KR" sz="1100" b="1" dirty="0" smtClean="0">
@@ -20779,11 +20694,6 @@
               </a:rPr>
               <a:t>값</a:t>
             </a:r>
-            <a:endParaRPr lang="ko-KR" altLang="en-US" sz="1100" b="1" dirty="0" smtClean="0">
-              <a:solidFill>
-                <a:srgbClr val="00B050"/>
-              </a:solidFill>
-            </a:endParaRPr>
           </a:p>
         </p:txBody>
       </p:sp>
@@ -23824,11 +23734,7 @@
             </a:pPr>
             <a:r>
               <a:rPr lang="en-US" altLang="ko-KR" sz="1100" dirty="0" smtClean="0"/>
-              <a:t>http://</a:t>
-            </a:r>
-            <a:r>
-              <a:rPr lang="en-US" altLang="ko-KR" sz="1100" dirty="0" smtClean="0"/>
-              <a:t>localhost:8088/mysite/board?</a:t>
+              <a:t>http://localhost:8088/mysite/board?</a:t>
             </a:r>
             <a:r>
               <a:rPr lang="en-US" altLang="ko-KR" sz="1100" b="1" dirty="0" smtClean="0">
@@ -23846,11 +23752,6 @@
               </a:rPr>
               <a:t>값</a:t>
             </a:r>
-            <a:endParaRPr lang="ko-KR" altLang="en-US" sz="1100" b="1" dirty="0" smtClean="0">
-              <a:solidFill>
-                <a:srgbClr val="00B050"/>
-              </a:solidFill>
-            </a:endParaRPr>
           </a:p>
         </p:txBody>
       </p:sp>
@@ -26393,11 +26294,7 @@
             </a:pPr>
             <a:r>
               <a:rPr lang="en-US" altLang="ko-KR" sz="1100" dirty="0" smtClean="0"/>
-              <a:t>http://</a:t>
-            </a:r>
-            <a:r>
-              <a:rPr lang="en-US" altLang="ko-KR" sz="1100" dirty="0" smtClean="0"/>
-              <a:t>localhost:8088/mysite/board?</a:t>
+              <a:t>http://localhost:8088/mysite/board?</a:t>
             </a:r>
             <a:r>
               <a:rPr lang="en-US" altLang="ko-KR" sz="1100" b="1" dirty="0" smtClean="0">
@@ -26405,29 +26302,16 @@
                   <a:srgbClr val="00B050"/>
                 </a:solidFill>
               </a:rPr>
-              <a:t>action=search&amp;</a:t>
-            </a:r>
-            <a:r>
-              <a:rPr lang="en-US" altLang="ko-KR" sz="1100" b="1" dirty="0" smtClean="0">
+              <a:t>action=search&amp;keyword=</a:t>
+            </a:r>
+            <a:r>
+              <a:rPr lang="ko-KR" altLang="en-US" sz="1100" b="1" dirty="0" smtClean="0">
                 <a:solidFill>
                   <a:srgbClr val="00B050"/>
                 </a:solidFill>
               </a:rPr>
-              <a:t>keyword=</a:t>
-            </a:r>
-            <a:r>
-              <a:rPr lang="ko-KR" altLang="en-US" sz="1100" b="1" dirty="0" smtClean="0">
-                <a:solidFill>
-                  <a:srgbClr val="00B050"/>
-                </a:solidFill>
-              </a:rPr>
               <a:t>값</a:t>
             </a:r>
-            <a:endParaRPr lang="ko-KR" altLang="en-US" sz="1100" b="1" dirty="0" smtClean="0">
-              <a:solidFill>
-                <a:srgbClr val="00B050"/>
-              </a:solidFill>
-            </a:endParaRPr>
           </a:p>
         </p:txBody>
       </p:sp>
@@ -26622,17 +26506,7 @@
                   <a:latin typeface="+mn-ea"/>
                   <a:ea typeface="+mn-ea"/>
                 </a:rPr>
-                <a:t>Request </a:t>
-              </a:r>
-              <a:r>
-                <a:rPr lang="en-US" altLang="ko-KR" sz="1100" dirty="0" smtClean="0">
-                  <a:solidFill>
-                    <a:srgbClr val="222222"/>
-                  </a:solidFill>
-                  <a:latin typeface="+mn-ea"/>
-                  <a:ea typeface="+mn-ea"/>
-                </a:rPr>
-                <a:t>body</a:t>
+                <a:t>Request body</a:t>
               </a:r>
             </a:p>
           </p:txBody>
